--- a/Powerpoint/Module00-Intro-GK-Custom.pptx
+++ b/Powerpoint/Module00-Intro-GK-Custom.pptx
@@ -20,8 +20,8 @@
     <p:sldId id="290" r:id="rId8"/>
     <p:sldId id="282" r:id="rId9"/>
     <p:sldId id="284" r:id="rId10"/>
-    <p:sldId id="289" r:id="rId11"/>
-    <p:sldId id="285" r:id="rId12"/>
+    <p:sldId id="285" r:id="rId11"/>
+    <p:sldId id="289" r:id="rId12"/>
     <p:sldId id="260" r:id="rId13"/>
     <p:sldId id="274" r:id="rId14"/>
     <p:sldId id="287" r:id="rId15"/>
@@ -251,7 +251,7 @@
           <a:p>
             <a:fld id="{865CA2D4-094E-48F7-9E06-42143F59D099}" type="datetimeFigureOut">
               <a:rPr lang="en-US" smtClean="0"/>
-              <a:t>10/18/2020</a:t>
+              <a:t>10/19/2020</a:t>
             </a:fld>
             <a:endParaRPr lang="en-US"/>
           </a:p>
@@ -416,7 +416,7 @@
           <a:p>
             <a:fld id="{0D013384-C4FB-4CF7-970C-E0447CD6B19D}" type="datetimeFigureOut">
               <a:rPr lang="en-US" smtClean="0"/>
-              <a:t>10/18/2020</a:t>
+              <a:t>10/19/2020</a:t>
             </a:fld>
             <a:endParaRPr lang="en-US"/>
           </a:p>
@@ -2290,7 +2290,7 @@
             <a:fld id="{E2FF7759-803D-4F76-9AEC-98B2D9A07B0D}" type="slidenum">
               <a:rPr lang="en-US" smtClean="0"/>
               <a:pPr/>
-              <a:t>11</a:t>
+              <a:t>10</a:t>
             </a:fld>
             <a:endParaRPr lang="en-US"/>
           </a:p>
@@ -4682,7 +4682,7 @@
           <a:p>
             <a:fld id="{FC69B7DB-8367-4EA5-BD31-DC3A1C807884}" type="datetimeFigureOut">
               <a:rPr lang="en-US" smtClean="0"/>
-              <a:t>10/18/2020</a:t>
+              <a:t>10/19/2020</a:t>
             </a:fld>
             <a:endParaRPr lang="en-US"/>
           </a:p>
@@ -5170,13 +5170,7 @@
       </p:grpSpPr>
       <p:sp>
         <p:nvSpPr>
-          <p:cNvPr id="2" name="Title 1">
-            <a:extLst>
-              <a:ext uri="{FF2B5EF4-FFF2-40B4-BE49-F238E27FC236}">
-                <a16:creationId xmlns:a16="http://schemas.microsoft.com/office/drawing/2014/main" id="{40945C80-039E-4BC5-B7B0-E7F3BBB69779}"/>
-              </a:ext>
-            </a:extLst>
-          </p:cNvPr>
+          <p:cNvPr id="4" name="Title 3"/>
           <p:cNvSpPr>
             <a:spLocks noGrp="1"/>
           </p:cNvSpPr>
@@ -5184,149 +5178,95 @@
             <p:ph type="title"/>
           </p:nvPr>
         </p:nvSpPr>
-        <p:spPr/>
+        <p:spPr>
+          <a:xfrm>
+            <a:off x="152400" y="5787"/>
+            <a:ext cx="8839200" cy="822960"/>
+          </a:xfrm>
+        </p:spPr>
         <p:txBody>
           <a:bodyPr/>
           <a:lstStyle/>
           <a:p>
             <a:r>
-              <a:rPr lang="en-CA" dirty="0"/>
-              <a:t>Student Intro’s</a:t>
-            </a:r>
-          </a:p>
-        </p:txBody>
-      </p:sp>
-      <p:sp>
-        <p:nvSpPr>
-          <p:cNvPr id="3" name="Slide Number Placeholder 2">
-            <a:extLst>
-              <a:ext uri="{FF2B5EF4-FFF2-40B4-BE49-F238E27FC236}">
-                <a16:creationId xmlns:a16="http://schemas.microsoft.com/office/drawing/2014/main" id="{112CB78C-E274-4DB4-BF72-5B14469A99A3}"/>
-              </a:ext>
-            </a:extLst>
-          </p:cNvPr>
+              <a:rPr lang="en-US" dirty="0"/>
+              <a:t>Outline (cont.)</a:t>
+            </a:r>
+          </a:p>
+        </p:txBody>
+      </p:sp>
+      <p:sp>
+        <p:nvSpPr>
+          <p:cNvPr id="5" name="Text Placeholder 4"/>
           <p:cNvSpPr>
             <a:spLocks noGrp="1"/>
           </p:cNvSpPr>
           <p:nvPr>
-            <p:ph type="sldNum" sz="quarter" idx="12"/>
-          </p:nvPr>
-        </p:nvSpPr>
-        <p:spPr/>
+            <p:ph type="body" sz="quarter" idx="13"/>
+          </p:nvPr>
+        </p:nvSpPr>
+        <p:spPr>
+          <a:xfrm>
+            <a:off x="457200" y="990600"/>
+            <a:ext cx="8229600" cy="5105400"/>
+          </a:xfrm>
+        </p:spPr>
         <p:txBody>
           <a:bodyPr/>
           <a:lstStyle/>
           <a:p>
-            <a:fld id="{D814DA60-3BEE-4BCE-BEDB-E433FD970963}" type="slidenum">
-              <a:rPr lang="en-US" smtClean="0"/>
-              <a:pPr/>
-              <a:t>10</a:t>
-            </a:fld>
-            <a:endParaRPr lang="en-US" dirty="0"/>
-          </a:p>
-        </p:txBody>
-      </p:sp>
-      <p:sp>
-        <p:nvSpPr>
-          <p:cNvPr id="4" name="Text Placeholder 3">
-            <a:extLst>
-              <a:ext uri="{FF2B5EF4-FFF2-40B4-BE49-F238E27FC236}">
-                <a16:creationId xmlns:a16="http://schemas.microsoft.com/office/drawing/2014/main" id="{2EEC02FD-CFEE-47F4-8466-3A11A71195F8}"/>
-              </a:ext>
-            </a:extLst>
-          </p:cNvPr>
-          <p:cNvSpPr>
-            <a:spLocks noGrp="1"/>
-          </p:cNvSpPr>
-          <p:nvPr>
-            <p:ph type="body" sz="quarter" idx="13"/>
-          </p:nvPr>
-        </p:nvSpPr>
-        <p:spPr/>
-        <p:txBody>
-          <a:bodyPr/>
-          <a:lstStyle/>
-          <a:p>
-            <a:r>
-              <a:rPr lang="en-CA" dirty="0"/>
-              <a:t>Please, tell us your name</a:t>
-            </a:r>
-            <a:br>
-              <a:rPr lang="en-CA" sz="2400" i="1" dirty="0"/>
-            </a:br>
-            <a:r>
-              <a:rPr lang="en-CA" sz="2400" i="1" dirty="0"/>
-              <a:t>(Correct any errors, typos or mis-</a:t>
-            </a:r>
-            <a:r>
-              <a:rPr lang="en-CA" sz="2400" i="1" dirty="0" err="1"/>
-              <a:t>pronounciations</a:t>
-            </a:r>
-            <a:r>
-              <a:rPr lang="en-CA" sz="2400" i="1" dirty="0"/>
-              <a:t>)</a:t>
-            </a:r>
-          </a:p>
-          <a:p>
-            <a:r>
-              <a:rPr lang="en-CA" dirty="0"/>
-              <a:t>What do you do for work?</a:t>
-            </a:r>
-          </a:p>
-          <a:p>
-            <a:r>
-              <a:rPr lang="en-CA" dirty="0"/>
-              <a:t>How do you use or want to use PowerShell?</a:t>
-            </a:r>
-          </a:p>
-          <a:p>
-            <a:r>
-              <a:rPr lang="en-CA" dirty="0"/>
-              <a:t>What do you need or want from this course?</a:t>
-            </a:r>
-          </a:p>
-          <a:p>
-            <a:r>
-              <a:rPr lang="en-CA" i="1" dirty="0"/>
-              <a:t>Fun bits of trivia about </a:t>
-            </a:r>
-            <a:r>
-              <a:rPr lang="en-CA" i="1"/>
-              <a:t>you </a:t>
-            </a:r>
-            <a:br>
-              <a:rPr lang="en-CA" i="1"/>
-            </a:br>
-            <a:r>
-              <a:rPr lang="en-CA" i="1"/>
-              <a:t>(</a:t>
-            </a:r>
-            <a:r>
-              <a:rPr lang="en-CA" i="1" dirty="0"/>
-              <a:t>inside or outside of </a:t>
-            </a:r>
-            <a:r>
-              <a:rPr lang="en-CA" i="1"/>
-              <a:t>work) are </a:t>
-            </a:r>
-            <a:r>
-              <a:rPr lang="en-CA" i="1" dirty="0"/>
-              <a:t>also </a:t>
-            </a:r>
-            <a:r>
-              <a:rPr lang="en-CA" i="1"/>
-              <a:t>welcome </a:t>
-            </a:r>
-            <a:br>
-              <a:rPr lang="en-CA" i="1"/>
-            </a:br>
-            <a:r>
-              <a:rPr lang="en-CA" i="1"/>
-              <a:t>(</a:t>
-            </a:r>
-            <a:r>
-              <a:rPr lang="en-CA" i="1" dirty="0"/>
-              <a:t>but optional).</a:t>
+            <a:r>
+              <a:rPr lang="en-US" sz="2400" dirty="0"/>
+              <a:t>Optional Topics for Friday</a:t>
+            </a:r>
+          </a:p>
+          <a:p>
+            <a:pPr lvl="1"/>
+            <a:r>
+              <a:rPr lang="en-US" sz="2000" dirty="0"/>
+              <a:t>Reading and writing SQL</a:t>
+            </a:r>
+          </a:p>
+          <a:p>
+            <a:pPr lvl="1"/>
+            <a:r>
+              <a:rPr lang="en-US" sz="2000" dirty="0"/>
+              <a:t>Working with passwords for scripts</a:t>
+            </a:r>
+          </a:p>
+          <a:p>
+            <a:pPr lvl="1"/>
+            <a:r>
+              <a:rPr lang="en-US" sz="2000" dirty="0"/>
+              <a:t>“Better” Editors and debuggers</a:t>
+            </a:r>
+          </a:p>
+          <a:p>
+            <a:pPr lvl="1"/>
+            <a:r>
+              <a:rPr lang="en-US" sz="2000" dirty="0"/>
+              <a:t>Unit Testing</a:t>
+            </a:r>
+          </a:p>
+          <a:p>
+            <a:pPr lvl="1"/>
+            <a:r>
+              <a:rPr lang="en-US" sz="2000" dirty="0"/>
+              <a:t>Compiling scripts into executables</a:t>
+            </a:r>
+          </a:p>
+          <a:p>
+            <a:pPr lvl="1"/>
+            <a:r>
+              <a:rPr lang="en-US" sz="2000" dirty="0"/>
+              <a:t>Semi-Automatically translating C# to PowerShell and back</a:t>
+            </a:r>
+          </a:p>
+          <a:p>
+            <a:pPr lvl="1"/>
+            <a:r>
+              <a:rPr lang="en-US" sz="2000" dirty="0"/>
+              <a:t>Profiles and automatic loading</a:t>
             </a:r>
           </a:p>
         </p:txBody>
@@ -5334,7 +5274,7 @@
     </p:spTree>
     <p:extLst>
       <p:ext uri="{BB962C8B-B14F-4D97-AF65-F5344CB8AC3E}">
-        <p14:creationId xmlns:p14="http://schemas.microsoft.com/office/powerpoint/2010/main" val="1022091688"/>
+        <p14:creationId xmlns:p14="http://schemas.microsoft.com/office/powerpoint/2010/main" val="4112524739"/>
       </p:ext>
     </p:extLst>
   </p:cSld>
@@ -5363,7 +5303,13 @@
       </p:grpSpPr>
       <p:sp>
         <p:nvSpPr>
-          <p:cNvPr id="4" name="Title 3"/>
+          <p:cNvPr id="2" name="Title 1">
+            <a:extLst>
+              <a:ext uri="{FF2B5EF4-FFF2-40B4-BE49-F238E27FC236}">
+                <a16:creationId xmlns:a16="http://schemas.microsoft.com/office/drawing/2014/main" id="{40945C80-039E-4BC5-B7B0-E7F3BBB69779}"/>
+              </a:ext>
+            </a:extLst>
+          </p:cNvPr>
           <p:cNvSpPr>
             <a:spLocks noGrp="1"/>
           </p:cNvSpPr>
@@ -5371,88 +5317,149 @@
             <p:ph type="title"/>
           </p:nvPr>
         </p:nvSpPr>
-        <p:spPr>
-          <a:xfrm>
-            <a:off x="152400" y="5787"/>
-            <a:ext cx="8839200" cy="822960"/>
-          </a:xfrm>
-        </p:spPr>
+        <p:spPr/>
         <p:txBody>
           <a:bodyPr/>
           <a:lstStyle/>
           <a:p>
             <a:r>
-              <a:rPr lang="en-US" dirty="0"/>
-              <a:t>Outline (cont.)</a:t>
-            </a:r>
-          </a:p>
-        </p:txBody>
-      </p:sp>
-      <p:sp>
-        <p:nvSpPr>
-          <p:cNvPr id="5" name="Text Placeholder 4"/>
+              <a:rPr lang="en-CA" dirty="0"/>
+              <a:t>Student Intro’s</a:t>
+            </a:r>
+          </a:p>
+        </p:txBody>
+      </p:sp>
+      <p:sp>
+        <p:nvSpPr>
+          <p:cNvPr id="3" name="Slide Number Placeholder 2">
+            <a:extLst>
+              <a:ext uri="{FF2B5EF4-FFF2-40B4-BE49-F238E27FC236}">
+                <a16:creationId xmlns:a16="http://schemas.microsoft.com/office/drawing/2014/main" id="{112CB78C-E274-4DB4-BF72-5B14469A99A3}"/>
+              </a:ext>
+            </a:extLst>
+          </p:cNvPr>
           <p:cNvSpPr>
             <a:spLocks noGrp="1"/>
           </p:cNvSpPr>
           <p:nvPr>
-            <p:ph type="body" sz="quarter" idx="13"/>
-          </p:nvPr>
-        </p:nvSpPr>
-        <p:spPr>
-          <a:xfrm>
-            <a:off x="457200" y="990600"/>
-            <a:ext cx="8229600" cy="5105400"/>
-          </a:xfrm>
-        </p:spPr>
+            <p:ph type="sldNum" sz="quarter" idx="12"/>
+          </p:nvPr>
+        </p:nvSpPr>
+        <p:spPr/>
         <p:txBody>
           <a:bodyPr/>
           <a:lstStyle/>
           <a:p>
-            <a:r>
-              <a:rPr lang="en-US" sz="2400" dirty="0"/>
-              <a:t>Optional Topics for Friday</a:t>
-            </a:r>
-          </a:p>
-          <a:p>
-            <a:pPr lvl="1"/>
-            <a:r>
-              <a:rPr lang="en-US" sz="2000" dirty="0"/>
-              <a:t>Reading and writing SQL</a:t>
-            </a:r>
-          </a:p>
-          <a:p>
-            <a:pPr lvl="1"/>
-            <a:r>
-              <a:rPr lang="en-US" sz="2000" dirty="0"/>
-              <a:t>Working with passwords for scripts</a:t>
-            </a:r>
-          </a:p>
-          <a:p>
-            <a:pPr lvl="1"/>
-            <a:r>
-              <a:rPr lang="en-US" sz="2000" dirty="0"/>
-              <a:t>“Better” Editors and debuggers</a:t>
-            </a:r>
-          </a:p>
-          <a:p>
-            <a:pPr lvl="1"/>
-            <a:r>
-              <a:rPr lang="en-US" sz="2000" dirty="0"/>
-              <a:t>Unit Testing</a:t>
-            </a:r>
-          </a:p>
-          <a:p>
-            <a:pPr lvl="1"/>
-            <a:r>
-              <a:rPr lang="en-US" sz="2000" dirty="0"/>
-              <a:t>Compiling scripts into executables</a:t>
-            </a:r>
-          </a:p>
-          <a:p>
-            <a:pPr lvl="1"/>
-            <a:r>
-              <a:rPr lang="en-US" sz="2000" dirty="0"/>
-              <a:t>Semi-Automatically translating C# to PowerShell and back</a:t>
+            <a:fld id="{D814DA60-3BEE-4BCE-BEDB-E433FD970963}" type="slidenum">
+              <a:rPr lang="en-US" smtClean="0"/>
+              <a:pPr/>
+              <a:t>11</a:t>
+            </a:fld>
+            <a:endParaRPr lang="en-US" dirty="0"/>
+          </a:p>
+        </p:txBody>
+      </p:sp>
+      <p:sp>
+        <p:nvSpPr>
+          <p:cNvPr id="4" name="Text Placeholder 3">
+            <a:extLst>
+              <a:ext uri="{FF2B5EF4-FFF2-40B4-BE49-F238E27FC236}">
+                <a16:creationId xmlns:a16="http://schemas.microsoft.com/office/drawing/2014/main" id="{2EEC02FD-CFEE-47F4-8466-3A11A71195F8}"/>
+              </a:ext>
+            </a:extLst>
+          </p:cNvPr>
+          <p:cNvSpPr>
+            <a:spLocks noGrp="1"/>
+          </p:cNvSpPr>
+          <p:nvPr>
+            <p:ph type="body" sz="quarter" idx="13"/>
+          </p:nvPr>
+        </p:nvSpPr>
+        <p:spPr/>
+        <p:txBody>
+          <a:bodyPr/>
+          <a:lstStyle/>
+          <a:p>
+            <a:r>
+              <a:rPr lang="en-CA" dirty="0"/>
+              <a:t>Please, tell us your name</a:t>
+            </a:r>
+            <a:br>
+              <a:rPr lang="en-CA" sz="2400" i="1" dirty="0"/>
+            </a:br>
+            <a:r>
+              <a:rPr lang="en-CA" sz="2400" i="1" dirty="0"/>
+              <a:t>(Correct any errors, typos or mis-</a:t>
+            </a:r>
+            <a:r>
+              <a:rPr lang="en-CA" sz="2400" i="1" dirty="0" err="1"/>
+              <a:t>pronounciations</a:t>
+            </a:r>
+            <a:r>
+              <a:rPr lang="en-CA" sz="2400" i="1" dirty="0"/>
+              <a:t>)</a:t>
+            </a:r>
+          </a:p>
+          <a:p>
+            <a:r>
+              <a:rPr lang="en-CA" dirty="0"/>
+              <a:t>What do you do for work?</a:t>
+            </a:r>
+          </a:p>
+          <a:p>
+            <a:r>
+              <a:rPr lang="en-CA" dirty="0"/>
+              <a:t>How do you use or want to use PowerShell?</a:t>
+            </a:r>
+          </a:p>
+          <a:p>
+            <a:r>
+              <a:rPr lang="en-CA" dirty="0"/>
+              <a:t>What do you need or want from this course?</a:t>
+            </a:r>
+          </a:p>
+          <a:p>
+            <a:r>
+              <a:rPr lang="en-CA" i="1" dirty="0"/>
+              <a:t>Fun bits of trivia about </a:t>
+            </a:r>
+            <a:r>
+              <a:rPr lang="en-CA" i="1"/>
+              <a:t>you </a:t>
+            </a:r>
+            <a:br>
+              <a:rPr lang="en-CA" i="1"/>
+            </a:br>
+            <a:r>
+              <a:rPr lang="en-CA" i="1"/>
+              <a:t>(</a:t>
+            </a:r>
+            <a:r>
+              <a:rPr lang="en-CA" i="1" dirty="0"/>
+              <a:t>inside or outside of </a:t>
+            </a:r>
+            <a:r>
+              <a:rPr lang="en-CA" i="1"/>
+              <a:t>work) are </a:t>
+            </a:r>
+            <a:r>
+              <a:rPr lang="en-CA" i="1" dirty="0"/>
+              <a:t>also </a:t>
+            </a:r>
+            <a:r>
+              <a:rPr lang="en-CA" i="1"/>
+              <a:t>welcome </a:t>
+            </a:r>
+            <a:br>
+              <a:rPr lang="en-CA" i="1"/>
+            </a:br>
+            <a:r>
+              <a:rPr lang="en-CA" i="1"/>
+              <a:t>(</a:t>
+            </a:r>
+            <a:r>
+              <a:rPr lang="en-CA" i="1" dirty="0"/>
+              <a:t>but optional).</a:t>
             </a:r>
           </a:p>
         </p:txBody>
@@ -5460,7 +5467,7 @@
     </p:spTree>
     <p:extLst>
       <p:ext uri="{BB962C8B-B14F-4D97-AF65-F5344CB8AC3E}">
-        <p14:creationId xmlns:p14="http://schemas.microsoft.com/office/powerpoint/2010/main" val="4112524739"/>
+        <p14:creationId xmlns:p14="http://schemas.microsoft.com/office/powerpoint/2010/main" val="1022091688"/>
       </p:ext>
     </p:extLst>
   </p:cSld>

--- a/Powerpoint/Module00-Intro-GK-Custom.pptx
+++ b/Powerpoint/Module00-Intro-GK-Custom.pptx
@@ -251,7 +251,7 @@
           <a:p>
             <a:fld id="{865CA2D4-094E-48F7-9E06-42143F59D099}" type="datetimeFigureOut">
               <a:rPr lang="en-US" smtClean="0"/>
-              <a:t>10/19/2020</a:t>
+              <a:t>10/29/2020</a:t>
             </a:fld>
             <a:endParaRPr lang="en-US"/>
           </a:p>
@@ -416,7 +416,7 @@
           <a:p>
             <a:fld id="{0D013384-C4FB-4CF7-970C-E0447CD6B19D}" type="datetimeFigureOut">
               <a:rPr lang="en-US" smtClean="0"/>
-              <a:t>10/19/2020</a:t>
+              <a:t>10/29/2020</a:t>
             </a:fld>
             <a:endParaRPr lang="en-US"/>
           </a:p>
@@ -4682,7 +4682,7 @@
           <a:p>
             <a:fld id="{FC69B7DB-8367-4EA5-BD31-DC3A1C807884}" type="datetimeFigureOut">
               <a:rPr lang="en-US" smtClean="0"/>
-              <a:t>10/19/2020</a:t>
+              <a:t>10/29/2020</a:t>
             </a:fld>
             <a:endParaRPr lang="en-US"/>
           </a:p>
@@ -5268,6 +5268,27 @@
               <a:rPr lang="en-US" sz="2000" dirty="0"/>
               <a:t>Profiles and automatic loading</a:t>
             </a:r>
+          </a:p>
+          <a:p>
+            <a:pPr lvl="1"/>
+            <a:r>
+              <a:rPr lang="en-US" sz="2000" dirty="0"/>
+              <a:t>Using UI Elements like </a:t>
+            </a:r>
+            <a:r>
+              <a:rPr lang="en-US" sz="2000" dirty="0" err="1"/>
+              <a:t>Winforms</a:t>
+            </a:r>
+            <a:r>
+              <a:rPr lang="en-US" sz="2000"/>
+              <a:t>/WPF</a:t>
+            </a:r>
+          </a:p>
+          <a:p>
+            <a:pPr marL="457200" lvl="1" indent="0">
+              <a:buNone/>
+            </a:pPr>
+            <a:endParaRPr lang="en-US" sz="2000" dirty="0"/>
           </a:p>
         </p:txBody>
       </p:sp>
@@ -7000,7 +7021,7 @@
             <a:pPr lvl="1"/>
             <a:r>
               <a:rPr lang="en-US" dirty="0"/>
-              <a:t>Around 2:00 pm for 15 minutes</a:t>
+              <a:t>Around 3:00 pm for 15 minutes</a:t>
             </a:r>
           </a:p>
           <a:p>
@@ -7559,7 +7580,15 @@
           <a:p>
             <a:r>
               <a:rPr lang="en-US" sz="2400" dirty="0"/>
-              <a:t>Module 9: Advanced Attributes and Documentation</a:t>
+              <a:t>Module 9: </a:t>
+            </a:r>
+            <a:r>
+              <a:rPr lang="en-US" sz="2400"/>
+              <a:t>Advanced Parameters </a:t>
+            </a:r>
+            <a:r>
+              <a:rPr lang="en-US" sz="2400" dirty="0"/>
+              <a:t>and Documentation</a:t>
             </a:r>
           </a:p>
           <a:p>

--- a/Powerpoint/Module00-Intro-GK-Custom.pptx
+++ b/Powerpoint/Module00-Intro-GK-Custom.pptx
@@ -251,7 +251,7 @@
           <a:p>
             <a:fld id="{865CA2D4-094E-48F7-9E06-42143F59D099}" type="datetimeFigureOut">
               <a:rPr lang="en-US" smtClean="0"/>
-              <a:t>10/29/2020</a:t>
+              <a:t>11/9/2020</a:t>
             </a:fld>
             <a:endParaRPr lang="en-US"/>
           </a:p>
@@ -416,7 +416,7 @@
           <a:p>
             <a:fld id="{0D013384-C4FB-4CF7-970C-E0447CD6B19D}" type="datetimeFigureOut">
               <a:rPr lang="en-US" smtClean="0"/>
-              <a:t>10/29/2020</a:t>
+              <a:t>11/9/2020</a:t>
             </a:fld>
             <a:endParaRPr lang="en-US"/>
           </a:p>
@@ -4682,7 +4682,7 @@
           <a:p>
             <a:fld id="{FC69B7DB-8367-4EA5-BD31-DC3A1C807884}" type="datetimeFigureOut">
               <a:rPr lang="en-US" smtClean="0"/>
-              <a:t>10/29/2020</a:t>
+              <a:t>11/9/2020</a:t>
             </a:fld>
             <a:endParaRPr lang="en-US"/>
           </a:p>
@@ -6981,7 +6981,7 @@
             <a:pPr lvl="1"/>
             <a:r>
               <a:rPr lang="en-US" dirty="0"/>
-              <a:t>8:30 to 4:30 Eastern Time</a:t>
+              <a:t>9:30 to 5:30 Eastern Time</a:t>
             </a:r>
             <a:br>
               <a:rPr lang="en-US" dirty="0"/>
@@ -7007,21 +7007,21 @@
             <a:pPr lvl="1"/>
             <a:r>
               <a:rPr lang="en-US" dirty="0"/>
-              <a:t>Around 10:15 am for 15 minutes</a:t>
+              <a:t>Break am for 15 minutes</a:t>
             </a:r>
           </a:p>
           <a:p>
             <a:pPr lvl="1"/>
             <a:r>
               <a:rPr lang="en-US" dirty="0"/>
-              <a:t>Around 12:00 pm for an hour “lunch” break</a:t>
+              <a:t>Around 1:00 pm for an hour “lunch” break</a:t>
             </a:r>
           </a:p>
           <a:p>
             <a:pPr lvl="1"/>
             <a:r>
               <a:rPr lang="en-US" dirty="0"/>
-              <a:t>Around 3:00 pm for 15 minutes</a:t>
+              <a:t>Break pm for 15 minutes</a:t>
             </a:r>
           </a:p>
           <a:p>
@@ -7269,19 +7269,17 @@
         <p:spPr/>
         <p:txBody>
           <a:bodyPr>
-            <a:normAutofit lnSpcReduction="10000"/>
+            <a:normAutofit/>
           </a:bodyPr>
           <a:lstStyle/>
           <a:p>
             <a:r>
+              <a:rPr lang="en-CA"/>
+              <a:t>Zoom </a:t>
+            </a:r>
+            <a:r>
               <a:rPr lang="en-CA" dirty="0"/>
-              <a:t>Introducing our Student Advocate</a:t>
-            </a:r>
-          </a:p>
-          <a:p>
-            <a:r>
-              <a:rPr lang="en-CA" dirty="0"/>
-              <a:t>Zoom refresher</a:t>
+              <a:t>refresher</a:t>
             </a:r>
           </a:p>
           <a:p>
